--- a/companion.pptx
+++ b/companion.pptx
@@ -7,6 +7,12 @@
   <p:sldIdLst>
     <p:sldId id="256" r:id="rId2"/>
     <p:sldId id="258" r:id="rId3"/>
+    <p:sldId id="259" r:id="rId4"/>
+    <p:sldId id="260" r:id="rId5"/>
+    <p:sldId id="261" r:id="rId6"/>
+    <p:sldId id="262" r:id="rId7"/>
+    <p:sldId id="263" r:id="rId8"/>
+    <p:sldId id="264" r:id="rId9"/>
   </p:sldIdLst>
   <p:sldSz cx="12192000" cy="6858000"/>
   <p:notesSz cx="6858000" cy="9144000"/>
@@ -262,7 +268,7 @@
           <a:p>
             <a:fld id="{698BC0E1-5E1E-4E15-B2DA-B817B602EC97}" type="datetimeFigureOut">
               <a:rPr lang="en-GB" smtClean="0"/>
-              <a:t>19/11/2024</a:t>
+              <a:t>12/12/2024</a:t>
             </a:fld>
             <a:endParaRPr lang="en-GB"/>
           </a:p>
@@ -462,7 +468,7 @@
           <a:p>
             <a:fld id="{698BC0E1-5E1E-4E15-B2DA-B817B602EC97}" type="datetimeFigureOut">
               <a:rPr lang="en-GB" smtClean="0"/>
-              <a:t>19/11/2024</a:t>
+              <a:t>12/12/2024</a:t>
             </a:fld>
             <a:endParaRPr lang="en-GB"/>
           </a:p>
@@ -672,7 +678,7 @@
           <a:p>
             <a:fld id="{698BC0E1-5E1E-4E15-B2DA-B817B602EC97}" type="datetimeFigureOut">
               <a:rPr lang="en-GB" smtClean="0"/>
-              <a:t>19/11/2024</a:t>
+              <a:t>12/12/2024</a:t>
             </a:fld>
             <a:endParaRPr lang="en-GB"/>
           </a:p>
@@ -872,7 +878,7 @@
           <a:p>
             <a:fld id="{698BC0E1-5E1E-4E15-B2DA-B817B602EC97}" type="datetimeFigureOut">
               <a:rPr lang="en-GB" smtClean="0"/>
-              <a:t>19/11/2024</a:t>
+              <a:t>12/12/2024</a:t>
             </a:fld>
             <a:endParaRPr lang="en-GB"/>
           </a:p>
@@ -1148,7 +1154,7 @@
           <a:p>
             <a:fld id="{698BC0E1-5E1E-4E15-B2DA-B817B602EC97}" type="datetimeFigureOut">
               <a:rPr lang="en-GB" smtClean="0"/>
-              <a:t>19/11/2024</a:t>
+              <a:t>12/12/2024</a:t>
             </a:fld>
             <a:endParaRPr lang="en-GB"/>
           </a:p>
@@ -1416,7 +1422,7 @@
           <a:p>
             <a:fld id="{698BC0E1-5E1E-4E15-B2DA-B817B602EC97}" type="datetimeFigureOut">
               <a:rPr lang="en-GB" smtClean="0"/>
-              <a:t>19/11/2024</a:t>
+              <a:t>12/12/2024</a:t>
             </a:fld>
             <a:endParaRPr lang="en-GB"/>
           </a:p>
@@ -1831,7 +1837,7 @@
           <a:p>
             <a:fld id="{698BC0E1-5E1E-4E15-B2DA-B817B602EC97}" type="datetimeFigureOut">
               <a:rPr lang="en-GB" smtClean="0"/>
-              <a:t>19/11/2024</a:t>
+              <a:t>12/12/2024</a:t>
             </a:fld>
             <a:endParaRPr lang="en-GB"/>
           </a:p>
@@ -1973,7 +1979,7 @@
           <a:p>
             <a:fld id="{698BC0E1-5E1E-4E15-B2DA-B817B602EC97}" type="datetimeFigureOut">
               <a:rPr lang="en-GB" smtClean="0"/>
-              <a:t>19/11/2024</a:t>
+              <a:t>12/12/2024</a:t>
             </a:fld>
             <a:endParaRPr lang="en-GB"/>
           </a:p>
@@ -2086,7 +2092,7 @@
           <a:p>
             <a:fld id="{698BC0E1-5E1E-4E15-B2DA-B817B602EC97}" type="datetimeFigureOut">
               <a:rPr lang="en-GB" smtClean="0"/>
-              <a:t>19/11/2024</a:t>
+              <a:t>12/12/2024</a:t>
             </a:fld>
             <a:endParaRPr lang="en-GB"/>
           </a:p>
@@ -2399,7 +2405,7 @@
           <a:p>
             <a:fld id="{698BC0E1-5E1E-4E15-B2DA-B817B602EC97}" type="datetimeFigureOut">
               <a:rPr lang="en-GB" smtClean="0"/>
-              <a:t>19/11/2024</a:t>
+              <a:t>12/12/2024</a:t>
             </a:fld>
             <a:endParaRPr lang="en-GB"/>
           </a:p>
@@ -2688,7 +2694,7 @@
           <a:p>
             <a:fld id="{698BC0E1-5E1E-4E15-B2DA-B817B602EC97}" type="datetimeFigureOut">
               <a:rPr lang="en-GB" smtClean="0"/>
-              <a:t>19/11/2024</a:t>
+              <a:t>12/12/2024</a:t>
             </a:fld>
             <a:endParaRPr lang="en-GB"/>
           </a:p>
@@ -2931,7 +2937,7 @@
           <a:p>
             <a:fld id="{698BC0E1-5E1E-4E15-B2DA-B817B602EC97}" type="datetimeFigureOut">
               <a:rPr lang="en-GB" smtClean="0"/>
-              <a:t>19/11/2024</a:t>
+              <a:t>12/12/2024</a:t>
             </a:fld>
             <a:endParaRPr lang="en-GB"/>
           </a:p>
@@ -4987,6 +4993,1743 @@
 </p:sld>
 </file>
 
+<file path=ppt/slides/slide3.xml><?xml version="1.0" encoding="utf-8"?>
+<p:sld xmlns:a="http://schemas.openxmlformats.org/drawingml/2006/main" xmlns:r="http://schemas.openxmlformats.org/officeDocument/2006/relationships" xmlns:p="http://schemas.openxmlformats.org/presentationml/2006/main">
+  <p:cSld>
+    <p:spTree>
+      <p:nvGrpSpPr>
+        <p:cNvPr id="1" name=""/>
+        <p:cNvGrpSpPr/>
+        <p:nvPr/>
+      </p:nvGrpSpPr>
+      <p:grpSpPr>
+        <a:xfrm>
+          <a:off x="0" y="0"/>
+          <a:ext cx="0" cy="0"/>
+          <a:chOff x="0" y="0"/>
+          <a:chExt cx="0" cy="0"/>
+        </a:xfrm>
+      </p:grpSpPr>
+      <p:grpSp>
+        <p:nvGrpSpPr>
+          <p:cNvPr id="15" name="Groupe 14">
+            <a:extLst>
+              <a:ext uri="{FF2B5EF4-FFF2-40B4-BE49-F238E27FC236}">
+                <a16:creationId xmlns:a16="http://schemas.microsoft.com/office/drawing/2014/main" id="{FD8DCA35-27D6-F1CB-7809-EEA4F416D74E}"/>
+              </a:ext>
+            </a:extLst>
+          </p:cNvPr>
+          <p:cNvGrpSpPr/>
+          <p:nvPr/>
+        </p:nvGrpSpPr>
+        <p:grpSpPr>
+          <a:xfrm>
+            <a:off x="1382233" y="272888"/>
+            <a:ext cx="10115365" cy="6312224"/>
+            <a:chOff x="1382233" y="272888"/>
+            <a:chExt cx="10115365" cy="6312224"/>
+          </a:xfrm>
+        </p:grpSpPr>
+        <p:pic>
+          <p:nvPicPr>
+            <p:cNvPr id="5" name="Image 4">
+              <a:extLst>
+                <a:ext uri="{FF2B5EF4-FFF2-40B4-BE49-F238E27FC236}">
+                  <a16:creationId xmlns:a16="http://schemas.microsoft.com/office/drawing/2014/main" id="{8BB8D612-03FD-97EE-9C94-943E26FBFB4C}"/>
+                </a:ext>
+              </a:extLst>
+            </p:cNvPr>
+            <p:cNvPicPr>
+              <a:picLocks noChangeAspect="1"/>
+            </p:cNvPicPr>
+            <p:nvPr/>
+          </p:nvPicPr>
+          <p:blipFill>
+            <a:blip r:embed="rId2"/>
+            <a:stretch>
+              <a:fillRect/>
+            </a:stretch>
+          </p:blipFill>
+          <p:spPr>
+            <a:xfrm>
+              <a:off x="1438681" y="272888"/>
+              <a:ext cx="10058917" cy="6312224"/>
+            </a:xfrm>
+            <a:prstGeom prst="rect">
+              <a:avLst/>
+            </a:prstGeom>
+          </p:spPr>
+        </p:pic>
+        <p:sp>
+          <p:nvSpPr>
+            <p:cNvPr id="6" name="Ellipse 5">
+              <a:extLst>
+                <a:ext uri="{FF2B5EF4-FFF2-40B4-BE49-F238E27FC236}">
+                  <a16:creationId xmlns:a16="http://schemas.microsoft.com/office/drawing/2014/main" id="{21506A23-AB15-B851-F719-3A2E5E3193B0}"/>
+                </a:ext>
+              </a:extLst>
+            </p:cNvPr>
+            <p:cNvSpPr/>
+            <p:nvPr/>
+          </p:nvSpPr>
+          <p:spPr>
+            <a:xfrm>
+              <a:off x="1382233" y="935665"/>
+              <a:ext cx="1020725" cy="1031358"/>
+            </a:xfrm>
+            <a:prstGeom prst="ellipse">
+              <a:avLst/>
+            </a:prstGeom>
+            <a:solidFill>
+              <a:srgbClr val="FFFF00">
+                <a:alpha val="27059"/>
+              </a:srgbClr>
+            </a:solidFill>
+            <a:ln w="76200">
+              <a:solidFill>
+                <a:srgbClr val="92D050"/>
+              </a:solidFill>
+            </a:ln>
+          </p:spPr>
+          <p:style>
+            <a:lnRef idx="2">
+              <a:schemeClr val="accent1">
+                <a:shade val="15000"/>
+              </a:schemeClr>
+            </a:lnRef>
+            <a:fillRef idx="1">
+              <a:schemeClr val="accent1"/>
+            </a:fillRef>
+            <a:effectRef idx="0">
+              <a:schemeClr val="accent1"/>
+            </a:effectRef>
+            <a:fontRef idx="minor">
+              <a:schemeClr val="lt1"/>
+            </a:fontRef>
+          </p:style>
+          <p:txBody>
+            <a:bodyPr rtlCol="0" anchor="ctr"/>
+            <a:lstStyle/>
+            <a:p>
+              <a:pPr algn="ctr"/>
+              <a:endParaRPr lang="en-GB" dirty="0"/>
+            </a:p>
+          </p:txBody>
+        </p:sp>
+        <p:cxnSp>
+          <p:nvCxnSpPr>
+            <p:cNvPr id="8" name="Connecteur : en angle 7">
+              <a:extLst>
+                <a:ext uri="{FF2B5EF4-FFF2-40B4-BE49-F238E27FC236}">
+                  <a16:creationId xmlns:a16="http://schemas.microsoft.com/office/drawing/2014/main" id="{EA477E36-C2B6-18AA-567E-8BAA8CB24033}"/>
+                </a:ext>
+              </a:extLst>
+            </p:cNvPr>
+            <p:cNvCxnSpPr>
+              <a:cxnSpLocks/>
+              <a:stCxn id="6" idx="4"/>
+            </p:cNvCxnSpPr>
+            <p:nvPr/>
+          </p:nvCxnSpPr>
+          <p:spPr>
+            <a:xfrm rot="16200000" flipH="1">
+              <a:off x="999460" y="2860158"/>
+              <a:ext cx="2126512" cy="340241"/>
+            </a:xfrm>
+            <a:prstGeom prst="bentConnector3">
+              <a:avLst>
+                <a:gd name="adj1" fmla="val 99500"/>
+              </a:avLst>
+            </a:prstGeom>
+            <a:ln w="57150">
+              <a:solidFill>
+                <a:srgbClr val="92D050"/>
+              </a:solidFill>
+              <a:tailEnd type="triangle"/>
+            </a:ln>
+          </p:spPr>
+          <p:style>
+            <a:lnRef idx="3">
+              <a:schemeClr val="dk1"/>
+            </a:lnRef>
+            <a:fillRef idx="0">
+              <a:schemeClr val="dk1"/>
+            </a:fillRef>
+            <a:effectRef idx="2">
+              <a:schemeClr val="dk1"/>
+            </a:effectRef>
+            <a:fontRef idx="minor">
+              <a:schemeClr val="tx1"/>
+            </a:fontRef>
+          </p:style>
+        </p:cxnSp>
+      </p:grpSp>
+    </p:spTree>
+    <p:extLst>
+      <p:ext uri="{BB962C8B-B14F-4D97-AF65-F5344CB8AC3E}">
+        <p14:creationId xmlns:p14="http://schemas.microsoft.com/office/powerpoint/2010/main" val="2437008466"/>
+      </p:ext>
+    </p:extLst>
+  </p:cSld>
+  <p:clrMapOvr>
+    <a:masterClrMapping/>
+  </p:clrMapOvr>
+</p:sld>
+</file>
+
+<file path=ppt/slides/slide4.xml><?xml version="1.0" encoding="utf-8"?>
+<p:sld xmlns:a="http://schemas.openxmlformats.org/drawingml/2006/main" xmlns:r="http://schemas.openxmlformats.org/officeDocument/2006/relationships" xmlns:p="http://schemas.openxmlformats.org/presentationml/2006/main">
+  <p:cSld>
+    <p:spTree>
+      <p:nvGrpSpPr>
+        <p:cNvPr id="1" name=""/>
+        <p:cNvGrpSpPr/>
+        <p:nvPr/>
+      </p:nvGrpSpPr>
+      <p:grpSpPr>
+        <a:xfrm>
+          <a:off x="0" y="0"/>
+          <a:ext cx="0" cy="0"/>
+          <a:chOff x="0" y="0"/>
+          <a:chExt cx="0" cy="0"/>
+        </a:xfrm>
+      </p:grpSpPr>
+      <p:grpSp>
+        <p:nvGrpSpPr>
+          <p:cNvPr id="9" name="Groupe 8">
+            <a:extLst>
+              <a:ext uri="{FF2B5EF4-FFF2-40B4-BE49-F238E27FC236}">
+                <a16:creationId xmlns:a16="http://schemas.microsoft.com/office/drawing/2014/main" id="{F29FCF0C-A633-049D-7092-66CF791A6626}"/>
+              </a:ext>
+            </a:extLst>
+          </p:cNvPr>
+          <p:cNvGrpSpPr/>
+          <p:nvPr/>
+        </p:nvGrpSpPr>
+        <p:grpSpPr>
+          <a:xfrm>
+            <a:off x="464157" y="1722475"/>
+            <a:ext cx="11263685" cy="2963744"/>
+            <a:chOff x="464157" y="1722475"/>
+            <a:chExt cx="11263685" cy="2963744"/>
+          </a:xfrm>
+        </p:grpSpPr>
+        <p:pic>
+          <p:nvPicPr>
+            <p:cNvPr id="5" name="Image 4">
+              <a:extLst>
+                <a:ext uri="{FF2B5EF4-FFF2-40B4-BE49-F238E27FC236}">
+                  <a16:creationId xmlns:a16="http://schemas.microsoft.com/office/drawing/2014/main" id="{8383CA85-0B36-E69B-B0C2-365CDC294144}"/>
+                </a:ext>
+              </a:extLst>
+            </p:cNvPr>
+            <p:cNvPicPr>
+              <a:picLocks noChangeAspect="1"/>
+            </p:cNvPicPr>
+            <p:nvPr/>
+          </p:nvPicPr>
+          <p:blipFill>
+            <a:blip r:embed="rId2"/>
+            <a:stretch>
+              <a:fillRect/>
+            </a:stretch>
+          </p:blipFill>
+          <p:spPr>
+            <a:xfrm>
+              <a:off x="464157" y="1722475"/>
+              <a:ext cx="11263685" cy="2963744"/>
+            </a:xfrm>
+            <a:prstGeom prst="rect">
+              <a:avLst/>
+            </a:prstGeom>
+          </p:spPr>
+        </p:pic>
+        <p:sp>
+          <p:nvSpPr>
+            <p:cNvPr id="8" name="Ellipse 7">
+              <a:extLst>
+                <a:ext uri="{FF2B5EF4-FFF2-40B4-BE49-F238E27FC236}">
+                  <a16:creationId xmlns:a16="http://schemas.microsoft.com/office/drawing/2014/main" id="{449E1875-FCDF-6ABD-225A-6E972AFB63E6}"/>
+                </a:ext>
+              </a:extLst>
+            </p:cNvPr>
+            <p:cNvSpPr/>
+            <p:nvPr/>
+          </p:nvSpPr>
+          <p:spPr>
+            <a:xfrm>
+              <a:off x="5054008" y="2519914"/>
+              <a:ext cx="1020725" cy="1031358"/>
+            </a:xfrm>
+            <a:prstGeom prst="ellipse">
+              <a:avLst/>
+            </a:prstGeom>
+            <a:solidFill>
+              <a:srgbClr val="FFFF00">
+                <a:alpha val="27059"/>
+              </a:srgbClr>
+            </a:solidFill>
+            <a:ln w="76200">
+              <a:solidFill>
+                <a:srgbClr val="FFC000"/>
+              </a:solidFill>
+            </a:ln>
+          </p:spPr>
+          <p:style>
+            <a:lnRef idx="2">
+              <a:schemeClr val="accent1">
+                <a:shade val="15000"/>
+              </a:schemeClr>
+            </a:lnRef>
+            <a:fillRef idx="1">
+              <a:schemeClr val="accent1"/>
+            </a:fillRef>
+            <a:effectRef idx="0">
+              <a:schemeClr val="accent1"/>
+            </a:effectRef>
+            <a:fontRef idx="minor">
+              <a:schemeClr val="lt1"/>
+            </a:fontRef>
+          </p:style>
+          <p:txBody>
+            <a:bodyPr rtlCol="0" anchor="ctr"/>
+            <a:lstStyle/>
+            <a:p>
+              <a:pPr algn="ctr"/>
+              <a:endParaRPr lang="en-GB" dirty="0"/>
+            </a:p>
+          </p:txBody>
+        </p:sp>
+      </p:grpSp>
+    </p:spTree>
+    <p:extLst>
+      <p:ext uri="{BB962C8B-B14F-4D97-AF65-F5344CB8AC3E}">
+        <p14:creationId xmlns:p14="http://schemas.microsoft.com/office/powerpoint/2010/main" val="3288032217"/>
+      </p:ext>
+    </p:extLst>
+  </p:cSld>
+  <p:clrMapOvr>
+    <a:masterClrMapping/>
+  </p:clrMapOvr>
+</p:sld>
+</file>
+
+<file path=ppt/slides/slide5.xml><?xml version="1.0" encoding="utf-8"?>
+<p:sld xmlns:a="http://schemas.openxmlformats.org/drawingml/2006/main" xmlns:r="http://schemas.openxmlformats.org/officeDocument/2006/relationships" xmlns:p="http://schemas.openxmlformats.org/presentationml/2006/main">
+  <p:cSld>
+    <p:spTree>
+      <p:nvGrpSpPr>
+        <p:cNvPr id="1" name=""/>
+        <p:cNvGrpSpPr/>
+        <p:nvPr/>
+      </p:nvGrpSpPr>
+      <p:grpSpPr>
+        <a:xfrm>
+          <a:off x="0" y="0"/>
+          <a:ext cx="0" cy="0"/>
+          <a:chOff x="0" y="0"/>
+          <a:chExt cx="0" cy="0"/>
+        </a:xfrm>
+      </p:grpSpPr>
+      <p:grpSp>
+        <p:nvGrpSpPr>
+          <p:cNvPr id="10" name="Groupe 9">
+            <a:extLst>
+              <a:ext uri="{FF2B5EF4-FFF2-40B4-BE49-F238E27FC236}">
+                <a16:creationId xmlns:a16="http://schemas.microsoft.com/office/drawing/2014/main" id="{4BB05D73-CCC8-A139-3951-5AF32AA2BDE5}"/>
+              </a:ext>
+            </a:extLst>
+          </p:cNvPr>
+          <p:cNvGrpSpPr/>
+          <p:nvPr/>
+        </p:nvGrpSpPr>
+        <p:grpSpPr>
+          <a:xfrm>
+            <a:off x="2730327" y="1539778"/>
+            <a:ext cx="6731346" cy="3778444"/>
+            <a:chOff x="2730327" y="1539778"/>
+            <a:chExt cx="6731346" cy="3778444"/>
+          </a:xfrm>
+        </p:grpSpPr>
+        <p:pic>
+          <p:nvPicPr>
+            <p:cNvPr id="9" name="Image 8">
+              <a:extLst>
+                <a:ext uri="{FF2B5EF4-FFF2-40B4-BE49-F238E27FC236}">
+                  <a16:creationId xmlns:a16="http://schemas.microsoft.com/office/drawing/2014/main" id="{8A77B681-4576-BDE2-48F2-398BD64CF722}"/>
+                </a:ext>
+              </a:extLst>
+            </p:cNvPr>
+            <p:cNvPicPr>
+              <a:picLocks noChangeAspect="1"/>
+            </p:cNvPicPr>
+            <p:nvPr/>
+          </p:nvPicPr>
+          <p:blipFill>
+            <a:blip r:embed="rId2"/>
+            <a:stretch>
+              <a:fillRect/>
+            </a:stretch>
+          </p:blipFill>
+          <p:spPr>
+            <a:xfrm>
+              <a:off x="2730327" y="1539778"/>
+              <a:ext cx="6731346" cy="3778444"/>
+            </a:xfrm>
+            <a:prstGeom prst="rect">
+              <a:avLst/>
+            </a:prstGeom>
+          </p:spPr>
+        </p:pic>
+        <p:sp>
+          <p:nvSpPr>
+            <p:cNvPr id="6" name="Ellipse 5">
+              <a:extLst>
+                <a:ext uri="{FF2B5EF4-FFF2-40B4-BE49-F238E27FC236}">
+                  <a16:creationId xmlns:a16="http://schemas.microsoft.com/office/drawing/2014/main" id="{012815CC-2B6E-1708-5E19-53A1C10919EB}"/>
+                </a:ext>
+              </a:extLst>
+            </p:cNvPr>
+            <p:cNvSpPr/>
+            <p:nvPr/>
+          </p:nvSpPr>
+          <p:spPr>
+            <a:xfrm>
+              <a:off x="7038754" y="2647505"/>
+              <a:ext cx="917942" cy="871871"/>
+            </a:xfrm>
+            <a:prstGeom prst="ellipse">
+              <a:avLst/>
+            </a:prstGeom>
+            <a:solidFill>
+              <a:srgbClr val="FFFF00">
+                <a:alpha val="27059"/>
+              </a:srgbClr>
+            </a:solidFill>
+            <a:ln w="76200">
+              <a:solidFill>
+                <a:srgbClr val="FFC000"/>
+              </a:solidFill>
+            </a:ln>
+          </p:spPr>
+          <p:style>
+            <a:lnRef idx="2">
+              <a:schemeClr val="accent1">
+                <a:shade val="15000"/>
+              </a:schemeClr>
+            </a:lnRef>
+            <a:fillRef idx="1">
+              <a:schemeClr val="accent1"/>
+            </a:fillRef>
+            <a:effectRef idx="0">
+              <a:schemeClr val="accent1"/>
+            </a:effectRef>
+            <a:fontRef idx="minor">
+              <a:schemeClr val="lt1"/>
+            </a:fontRef>
+          </p:style>
+          <p:txBody>
+            <a:bodyPr rtlCol="0" anchor="ctr"/>
+            <a:lstStyle/>
+            <a:p>
+              <a:pPr algn="ctr"/>
+              <a:endParaRPr lang="en-GB" dirty="0"/>
+            </a:p>
+          </p:txBody>
+        </p:sp>
+        <p:sp>
+          <p:nvSpPr>
+            <p:cNvPr id="7" name="Ellipse 6">
+              <a:extLst>
+                <a:ext uri="{FF2B5EF4-FFF2-40B4-BE49-F238E27FC236}">
+                  <a16:creationId xmlns:a16="http://schemas.microsoft.com/office/drawing/2014/main" id="{E94A86B2-6C4C-6380-24D1-A7265D82C2E6}"/>
+                </a:ext>
+              </a:extLst>
+            </p:cNvPr>
+            <p:cNvSpPr/>
+            <p:nvPr/>
+          </p:nvSpPr>
+          <p:spPr>
+            <a:xfrm>
+              <a:off x="5380074" y="2743198"/>
+              <a:ext cx="1520456" cy="776178"/>
+            </a:xfrm>
+            <a:prstGeom prst="ellipse">
+              <a:avLst/>
+            </a:prstGeom>
+            <a:solidFill>
+              <a:srgbClr val="FFFF00">
+                <a:alpha val="27059"/>
+              </a:srgbClr>
+            </a:solidFill>
+            <a:ln w="76200">
+              <a:solidFill>
+                <a:schemeClr val="accent6">
+                  <a:lumMod val="60000"/>
+                  <a:lumOff val="40000"/>
+                </a:schemeClr>
+              </a:solidFill>
+            </a:ln>
+          </p:spPr>
+          <p:style>
+            <a:lnRef idx="2">
+              <a:schemeClr val="accent1">
+                <a:shade val="15000"/>
+              </a:schemeClr>
+            </a:lnRef>
+            <a:fillRef idx="1">
+              <a:schemeClr val="accent1"/>
+            </a:fillRef>
+            <a:effectRef idx="0">
+              <a:schemeClr val="accent1"/>
+            </a:effectRef>
+            <a:fontRef idx="minor">
+              <a:schemeClr val="lt1"/>
+            </a:fontRef>
+          </p:style>
+          <p:txBody>
+            <a:bodyPr rtlCol="0" anchor="ctr"/>
+            <a:lstStyle/>
+            <a:p>
+              <a:pPr algn="ctr"/>
+              <a:endParaRPr lang="en-GB" dirty="0"/>
+            </a:p>
+          </p:txBody>
+        </p:sp>
+      </p:grpSp>
+    </p:spTree>
+    <p:extLst>
+      <p:ext uri="{BB962C8B-B14F-4D97-AF65-F5344CB8AC3E}">
+        <p14:creationId xmlns:p14="http://schemas.microsoft.com/office/powerpoint/2010/main" val="1331334701"/>
+      </p:ext>
+    </p:extLst>
+  </p:cSld>
+  <p:clrMapOvr>
+    <a:masterClrMapping/>
+  </p:clrMapOvr>
+</p:sld>
+</file>
+
+<file path=ppt/slides/slide6.xml><?xml version="1.0" encoding="utf-8"?>
+<p:sld xmlns:a="http://schemas.openxmlformats.org/drawingml/2006/main" xmlns:r="http://schemas.openxmlformats.org/officeDocument/2006/relationships" xmlns:p="http://schemas.openxmlformats.org/presentationml/2006/main">
+  <p:cSld>
+    <p:spTree>
+      <p:nvGrpSpPr>
+        <p:cNvPr id="1" name=""/>
+        <p:cNvGrpSpPr/>
+        <p:nvPr/>
+      </p:nvGrpSpPr>
+      <p:grpSpPr>
+        <a:xfrm>
+          <a:off x="0" y="0"/>
+          <a:ext cx="0" cy="0"/>
+          <a:chOff x="0" y="0"/>
+          <a:chExt cx="0" cy="0"/>
+        </a:xfrm>
+      </p:grpSpPr>
+      <p:grpSp>
+        <p:nvGrpSpPr>
+          <p:cNvPr id="14" name="Groupe 13">
+            <a:extLst>
+              <a:ext uri="{FF2B5EF4-FFF2-40B4-BE49-F238E27FC236}">
+                <a16:creationId xmlns:a16="http://schemas.microsoft.com/office/drawing/2014/main" id="{F260FFFE-AF2D-6470-CFCE-6EB886715566}"/>
+              </a:ext>
+            </a:extLst>
+          </p:cNvPr>
+          <p:cNvGrpSpPr/>
+          <p:nvPr/>
+        </p:nvGrpSpPr>
+        <p:grpSpPr>
+          <a:xfrm>
+            <a:off x="1873033" y="533251"/>
+            <a:ext cx="8445934" cy="5791498"/>
+            <a:chOff x="1873033" y="533251"/>
+            <a:chExt cx="8445934" cy="5791498"/>
+          </a:xfrm>
+        </p:grpSpPr>
+        <p:pic>
+          <p:nvPicPr>
+            <p:cNvPr id="5" name="Image 4">
+              <a:extLst>
+                <a:ext uri="{FF2B5EF4-FFF2-40B4-BE49-F238E27FC236}">
+                  <a16:creationId xmlns:a16="http://schemas.microsoft.com/office/drawing/2014/main" id="{2E43EBED-0FD6-C1A7-D006-EDFFEBA91293}"/>
+                </a:ext>
+              </a:extLst>
+            </p:cNvPr>
+            <p:cNvPicPr>
+              <a:picLocks noChangeAspect="1"/>
+            </p:cNvPicPr>
+            <p:nvPr/>
+          </p:nvPicPr>
+          <p:blipFill>
+            <a:blip r:embed="rId2"/>
+            <a:stretch>
+              <a:fillRect/>
+            </a:stretch>
+          </p:blipFill>
+          <p:spPr>
+            <a:xfrm>
+              <a:off x="1873033" y="533251"/>
+              <a:ext cx="8445934" cy="5791498"/>
+            </a:xfrm>
+            <a:prstGeom prst="rect">
+              <a:avLst/>
+            </a:prstGeom>
+          </p:spPr>
+        </p:pic>
+        <p:sp>
+          <p:nvSpPr>
+            <p:cNvPr id="7" name="Rectangle : coins arrondis 6">
+              <a:extLst>
+                <a:ext uri="{FF2B5EF4-FFF2-40B4-BE49-F238E27FC236}">
+                  <a16:creationId xmlns:a16="http://schemas.microsoft.com/office/drawing/2014/main" id="{42B6C83F-926E-DAFD-FE7B-C5562155C3BB}"/>
+                </a:ext>
+              </a:extLst>
+            </p:cNvPr>
+            <p:cNvSpPr/>
+            <p:nvPr/>
+          </p:nvSpPr>
+          <p:spPr>
+            <a:xfrm>
+              <a:off x="2351313" y="3303889"/>
+              <a:ext cx="1578429" cy="2073654"/>
+            </a:xfrm>
+            <a:prstGeom prst="roundRect">
+              <a:avLst>
+                <a:gd name="adj" fmla="val 7702"/>
+              </a:avLst>
+            </a:prstGeom>
+            <a:solidFill>
+              <a:srgbClr val="FFFF00">
+                <a:alpha val="23922"/>
+              </a:srgbClr>
+            </a:solidFill>
+            <a:ln w="57150">
+              <a:solidFill>
+                <a:schemeClr val="accent6"/>
+              </a:solidFill>
+            </a:ln>
+          </p:spPr>
+          <p:style>
+            <a:lnRef idx="2">
+              <a:schemeClr val="accent1">
+                <a:shade val="15000"/>
+              </a:schemeClr>
+            </a:lnRef>
+            <a:fillRef idx="1">
+              <a:schemeClr val="accent1"/>
+            </a:fillRef>
+            <a:effectRef idx="0">
+              <a:schemeClr val="accent1"/>
+            </a:effectRef>
+            <a:fontRef idx="minor">
+              <a:schemeClr val="lt1"/>
+            </a:fontRef>
+          </p:style>
+          <p:txBody>
+            <a:bodyPr rtlCol="0" anchor="ctr"/>
+            <a:lstStyle/>
+            <a:p>
+              <a:pPr algn="ctr"/>
+              <a:endParaRPr lang="en-GB"/>
+            </a:p>
+          </p:txBody>
+        </p:sp>
+        <p:sp>
+          <p:nvSpPr>
+            <p:cNvPr id="9" name="Ellipse 8">
+              <a:extLst>
+                <a:ext uri="{FF2B5EF4-FFF2-40B4-BE49-F238E27FC236}">
+                  <a16:creationId xmlns:a16="http://schemas.microsoft.com/office/drawing/2014/main" id="{76F1BC16-E6DA-CC12-B3E4-AFDCCE161E26}"/>
+                </a:ext>
+              </a:extLst>
+            </p:cNvPr>
+            <p:cNvSpPr/>
+            <p:nvPr/>
+          </p:nvSpPr>
+          <p:spPr>
+            <a:xfrm>
+              <a:off x="5547536" y="1516404"/>
+              <a:ext cx="544287" cy="546815"/>
+            </a:xfrm>
+            <a:prstGeom prst="ellipse">
+              <a:avLst/>
+            </a:prstGeom>
+            <a:noFill/>
+            <a:ln w="76200">
+              <a:noFill/>
+            </a:ln>
+          </p:spPr>
+          <p:style>
+            <a:lnRef idx="2">
+              <a:schemeClr val="accent1">
+                <a:shade val="15000"/>
+              </a:schemeClr>
+            </a:lnRef>
+            <a:fillRef idx="1">
+              <a:schemeClr val="accent1"/>
+            </a:fillRef>
+            <a:effectRef idx="0">
+              <a:schemeClr val="accent1"/>
+            </a:effectRef>
+            <a:fontRef idx="minor">
+              <a:schemeClr val="lt1"/>
+            </a:fontRef>
+          </p:style>
+          <p:txBody>
+            <a:bodyPr rtlCol="0" anchor="ctr"/>
+            <a:lstStyle/>
+            <a:p>
+              <a:pPr algn="ctr"/>
+              <a:r>
+                <a:rPr lang="fr-FR" sz="3600" b="1" dirty="0">
+                  <a:solidFill>
+                    <a:schemeClr val="accent6"/>
+                  </a:solidFill>
+                </a:rPr>
+                <a:t>2</a:t>
+              </a:r>
+              <a:endParaRPr lang="en-GB" sz="3600" b="1" dirty="0">
+                <a:solidFill>
+                  <a:schemeClr val="accent6"/>
+                </a:solidFill>
+              </a:endParaRPr>
+            </a:p>
+          </p:txBody>
+        </p:sp>
+        <p:sp>
+          <p:nvSpPr>
+            <p:cNvPr id="10" name="Ellipse 9">
+              <a:extLst>
+                <a:ext uri="{FF2B5EF4-FFF2-40B4-BE49-F238E27FC236}">
+                  <a16:creationId xmlns:a16="http://schemas.microsoft.com/office/drawing/2014/main" id="{8787D80A-3CAA-30F7-64C9-CEBA3C82E4B9}"/>
+                </a:ext>
+              </a:extLst>
+            </p:cNvPr>
+            <p:cNvSpPr/>
+            <p:nvPr/>
+          </p:nvSpPr>
+          <p:spPr>
+            <a:xfrm>
+              <a:off x="5140588" y="740226"/>
+              <a:ext cx="813897" cy="776178"/>
+            </a:xfrm>
+            <a:prstGeom prst="ellipse">
+              <a:avLst/>
+            </a:prstGeom>
+            <a:solidFill>
+              <a:srgbClr val="FFFF00">
+                <a:alpha val="27059"/>
+              </a:srgbClr>
+            </a:solidFill>
+            <a:ln w="76200">
+              <a:solidFill>
+                <a:schemeClr val="accent6"/>
+              </a:solidFill>
+            </a:ln>
+          </p:spPr>
+          <p:style>
+            <a:lnRef idx="2">
+              <a:schemeClr val="accent1">
+                <a:shade val="15000"/>
+              </a:schemeClr>
+            </a:lnRef>
+            <a:fillRef idx="1">
+              <a:schemeClr val="accent1"/>
+            </a:fillRef>
+            <a:effectRef idx="0">
+              <a:schemeClr val="accent1"/>
+            </a:effectRef>
+            <a:fontRef idx="minor">
+              <a:schemeClr val="lt1"/>
+            </a:fontRef>
+          </p:style>
+          <p:txBody>
+            <a:bodyPr rtlCol="0" anchor="ctr"/>
+            <a:lstStyle/>
+            <a:p>
+              <a:pPr algn="ctr"/>
+              <a:endParaRPr lang="en-GB" dirty="0"/>
+            </a:p>
+          </p:txBody>
+        </p:sp>
+        <p:sp>
+          <p:nvSpPr>
+            <p:cNvPr id="11" name="Ellipse 10">
+              <a:extLst>
+                <a:ext uri="{FF2B5EF4-FFF2-40B4-BE49-F238E27FC236}">
+                  <a16:creationId xmlns:a16="http://schemas.microsoft.com/office/drawing/2014/main" id="{B44EA45A-6599-CC61-B303-5A4C5B740C96}"/>
+                </a:ext>
+              </a:extLst>
+            </p:cNvPr>
+            <p:cNvSpPr/>
+            <p:nvPr/>
+          </p:nvSpPr>
+          <p:spPr>
+            <a:xfrm>
+              <a:off x="3936451" y="3662916"/>
+              <a:ext cx="544287" cy="546815"/>
+            </a:xfrm>
+            <a:prstGeom prst="ellipse">
+              <a:avLst/>
+            </a:prstGeom>
+            <a:noFill/>
+            <a:ln w="76200">
+              <a:noFill/>
+            </a:ln>
+          </p:spPr>
+          <p:style>
+            <a:lnRef idx="2">
+              <a:schemeClr val="accent1">
+                <a:shade val="15000"/>
+              </a:schemeClr>
+            </a:lnRef>
+            <a:fillRef idx="1">
+              <a:schemeClr val="accent1"/>
+            </a:fillRef>
+            <a:effectRef idx="0">
+              <a:schemeClr val="accent1"/>
+            </a:effectRef>
+            <a:fontRef idx="minor">
+              <a:schemeClr val="lt1"/>
+            </a:fontRef>
+          </p:style>
+          <p:txBody>
+            <a:bodyPr rtlCol="0" anchor="ctr"/>
+            <a:lstStyle/>
+            <a:p>
+              <a:pPr algn="ctr"/>
+              <a:r>
+                <a:rPr lang="fr-FR" sz="3600" b="1" dirty="0">
+                  <a:solidFill>
+                    <a:schemeClr val="accent6"/>
+                  </a:solidFill>
+                </a:rPr>
+                <a:t>1</a:t>
+              </a:r>
+              <a:endParaRPr lang="en-GB" sz="3600" b="1" dirty="0">
+                <a:solidFill>
+                  <a:schemeClr val="accent6"/>
+                </a:solidFill>
+              </a:endParaRPr>
+            </a:p>
+          </p:txBody>
+        </p:sp>
+        <p:sp>
+          <p:nvSpPr>
+            <p:cNvPr id="13" name="Ellipse 12">
+              <a:extLst>
+                <a:ext uri="{FF2B5EF4-FFF2-40B4-BE49-F238E27FC236}">
+                  <a16:creationId xmlns:a16="http://schemas.microsoft.com/office/drawing/2014/main" id="{8075B50D-C0DC-E182-5CEF-82C9D3C039ED}"/>
+                </a:ext>
+              </a:extLst>
+            </p:cNvPr>
+            <p:cNvSpPr/>
+            <p:nvPr/>
+          </p:nvSpPr>
+          <p:spPr>
+            <a:xfrm>
+              <a:off x="7717973" y="5236492"/>
+              <a:ext cx="544287" cy="546815"/>
+            </a:xfrm>
+            <a:prstGeom prst="ellipse">
+              <a:avLst/>
+            </a:prstGeom>
+            <a:noFill/>
+            <a:ln w="76200">
+              <a:noFill/>
+            </a:ln>
+          </p:spPr>
+          <p:style>
+            <a:lnRef idx="2">
+              <a:schemeClr val="accent1">
+                <a:shade val="15000"/>
+              </a:schemeClr>
+            </a:lnRef>
+            <a:fillRef idx="1">
+              <a:schemeClr val="accent1"/>
+            </a:fillRef>
+            <a:effectRef idx="0">
+              <a:schemeClr val="accent1"/>
+            </a:effectRef>
+            <a:fontRef idx="minor">
+              <a:schemeClr val="lt1"/>
+            </a:fontRef>
+          </p:style>
+          <p:txBody>
+            <a:bodyPr rtlCol="0" anchor="ctr"/>
+            <a:lstStyle/>
+            <a:p>
+              <a:pPr algn="ctr"/>
+              <a:r>
+                <a:rPr lang="fr-FR" sz="3600" b="1" dirty="0">
+                  <a:solidFill>
+                    <a:schemeClr val="accent6"/>
+                  </a:solidFill>
+                </a:rPr>
+                <a:t>3</a:t>
+              </a:r>
+              <a:endParaRPr lang="en-GB" sz="3600" b="1" dirty="0">
+                <a:solidFill>
+                  <a:schemeClr val="accent6"/>
+                </a:solidFill>
+              </a:endParaRPr>
+            </a:p>
+          </p:txBody>
+        </p:sp>
+      </p:grpSp>
+    </p:spTree>
+    <p:extLst>
+      <p:ext uri="{BB962C8B-B14F-4D97-AF65-F5344CB8AC3E}">
+        <p14:creationId xmlns:p14="http://schemas.microsoft.com/office/powerpoint/2010/main" val="278804793"/>
+      </p:ext>
+    </p:extLst>
+  </p:cSld>
+  <p:clrMapOvr>
+    <a:masterClrMapping/>
+  </p:clrMapOvr>
+</p:sld>
+</file>
+
+<file path=ppt/slides/slide7.xml><?xml version="1.0" encoding="utf-8"?>
+<p:sld xmlns:a="http://schemas.openxmlformats.org/drawingml/2006/main" xmlns:r="http://schemas.openxmlformats.org/officeDocument/2006/relationships" xmlns:p="http://schemas.openxmlformats.org/presentationml/2006/main">
+  <p:cSld>
+    <p:spTree>
+      <p:nvGrpSpPr>
+        <p:cNvPr id="1" name=""/>
+        <p:cNvGrpSpPr/>
+        <p:nvPr/>
+      </p:nvGrpSpPr>
+      <p:grpSpPr>
+        <a:xfrm>
+          <a:off x="0" y="0"/>
+          <a:ext cx="0" cy="0"/>
+          <a:chOff x="0" y="0"/>
+          <a:chExt cx="0" cy="0"/>
+        </a:xfrm>
+      </p:grpSpPr>
+      <p:grpSp>
+        <p:nvGrpSpPr>
+          <p:cNvPr id="7" name="Groupe 6">
+            <a:extLst>
+              <a:ext uri="{FF2B5EF4-FFF2-40B4-BE49-F238E27FC236}">
+                <a16:creationId xmlns:a16="http://schemas.microsoft.com/office/drawing/2014/main" id="{30BF8850-2A95-FEA4-DE04-556270B9883C}"/>
+              </a:ext>
+            </a:extLst>
+          </p:cNvPr>
+          <p:cNvGrpSpPr/>
+          <p:nvPr/>
+        </p:nvGrpSpPr>
+        <p:grpSpPr>
+          <a:xfrm>
+            <a:off x="1876241" y="804673"/>
+            <a:ext cx="8918811" cy="4969651"/>
+            <a:chOff x="1876241" y="804673"/>
+            <a:chExt cx="8918811" cy="4969651"/>
+          </a:xfrm>
+        </p:grpSpPr>
+        <p:pic>
+          <p:nvPicPr>
+            <p:cNvPr id="5" name="Image 4">
+              <a:extLst>
+                <a:ext uri="{FF2B5EF4-FFF2-40B4-BE49-F238E27FC236}">
+                  <a16:creationId xmlns:a16="http://schemas.microsoft.com/office/drawing/2014/main" id="{848A5156-AB23-63DE-B6A6-6594569DB2B0}"/>
+                </a:ext>
+              </a:extLst>
+            </p:cNvPr>
+            <p:cNvPicPr>
+              <a:picLocks noChangeAspect="1"/>
+            </p:cNvPicPr>
+            <p:nvPr/>
+          </p:nvPicPr>
+          <p:blipFill>
+            <a:blip r:embed="rId2"/>
+            <a:stretch>
+              <a:fillRect/>
+            </a:stretch>
+          </p:blipFill>
+          <p:spPr>
+            <a:xfrm>
+              <a:off x="1876241" y="804673"/>
+              <a:ext cx="8918811" cy="4969651"/>
+            </a:xfrm>
+            <a:prstGeom prst="rect">
+              <a:avLst/>
+            </a:prstGeom>
+          </p:spPr>
+        </p:pic>
+        <p:sp>
+          <p:nvSpPr>
+            <p:cNvPr id="6" name="Rectangle : coins arrondis 5">
+              <a:extLst>
+                <a:ext uri="{FF2B5EF4-FFF2-40B4-BE49-F238E27FC236}">
+                  <a16:creationId xmlns:a16="http://schemas.microsoft.com/office/drawing/2014/main" id="{BBE85F4A-9779-6E39-51A1-9AAE26FEBE4A}"/>
+                </a:ext>
+              </a:extLst>
+            </p:cNvPr>
+            <p:cNvSpPr/>
+            <p:nvPr/>
+          </p:nvSpPr>
+          <p:spPr>
+            <a:xfrm>
+              <a:off x="3116275" y="1397203"/>
+              <a:ext cx="1616659" cy="351130"/>
+            </a:xfrm>
+            <a:prstGeom prst="roundRect">
+              <a:avLst/>
+            </a:prstGeom>
+            <a:solidFill>
+              <a:srgbClr val="FFFF00">
+                <a:alpha val="25882"/>
+              </a:srgbClr>
+            </a:solidFill>
+            <a:ln w="38100">
+              <a:solidFill>
+                <a:schemeClr val="accent6"/>
+              </a:solidFill>
+            </a:ln>
+          </p:spPr>
+          <p:style>
+            <a:lnRef idx="2">
+              <a:schemeClr val="accent1">
+                <a:shade val="15000"/>
+              </a:schemeClr>
+            </a:lnRef>
+            <a:fillRef idx="1">
+              <a:schemeClr val="accent1"/>
+            </a:fillRef>
+            <a:effectRef idx="0">
+              <a:schemeClr val="accent1"/>
+            </a:effectRef>
+            <a:fontRef idx="minor">
+              <a:schemeClr val="lt1"/>
+            </a:fontRef>
+          </p:style>
+          <p:txBody>
+            <a:bodyPr rtlCol="0" anchor="ctr"/>
+            <a:lstStyle/>
+            <a:p>
+              <a:pPr algn="ctr"/>
+              <a:endParaRPr lang="en-GB"/>
+            </a:p>
+          </p:txBody>
+        </p:sp>
+      </p:grpSp>
+    </p:spTree>
+    <p:extLst>
+      <p:ext uri="{BB962C8B-B14F-4D97-AF65-F5344CB8AC3E}">
+        <p14:creationId xmlns:p14="http://schemas.microsoft.com/office/powerpoint/2010/main" val="1297668492"/>
+      </p:ext>
+    </p:extLst>
+  </p:cSld>
+  <p:clrMapOvr>
+    <a:masterClrMapping/>
+  </p:clrMapOvr>
+</p:sld>
+</file>
+
+<file path=ppt/slides/slide8.xml><?xml version="1.0" encoding="utf-8"?>
+<p:sld xmlns:a="http://schemas.openxmlformats.org/drawingml/2006/main" xmlns:r="http://schemas.openxmlformats.org/officeDocument/2006/relationships" xmlns:p="http://schemas.openxmlformats.org/presentationml/2006/main">
+  <p:cSld>
+    <p:spTree>
+      <p:nvGrpSpPr>
+        <p:cNvPr id="1" name=""/>
+        <p:cNvGrpSpPr/>
+        <p:nvPr/>
+      </p:nvGrpSpPr>
+      <p:grpSpPr>
+        <a:xfrm>
+          <a:off x="0" y="0"/>
+          <a:ext cx="0" cy="0"/>
+          <a:chOff x="0" y="0"/>
+          <a:chExt cx="0" cy="0"/>
+        </a:xfrm>
+      </p:grpSpPr>
+      <p:grpSp>
+        <p:nvGrpSpPr>
+          <p:cNvPr id="19" name="Groupe 18">
+            <a:extLst>
+              <a:ext uri="{FF2B5EF4-FFF2-40B4-BE49-F238E27FC236}">
+                <a16:creationId xmlns:a16="http://schemas.microsoft.com/office/drawing/2014/main" id="{B2F363AB-383D-1A67-C694-24450CD368B8}"/>
+              </a:ext>
+            </a:extLst>
+          </p:cNvPr>
+          <p:cNvGrpSpPr/>
+          <p:nvPr/>
+        </p:nvGrpSpPr>
+        <p:grpSpPr>
+          <a:xfrm>
+            <a:off x="0" y="606425"/>
+            <a:ext cx="12192000" cy="5645150"/>
+            <a:chOff x="0" y="606425"/>
+            <a:chExt cx="12192000" cy="5645150"/>
+          </a:xfrm>
+        </p:grpSpPr>
+        <p:grpSp>
+          <p:nvGrpSpPr>
+            <p:cNvPr id="15" name="Groupe 14">
+              <a:extLst>
+                <a:ext uri="{FF2B5EF4-FFF2-40B4-BE49-F238E27FC236}">
+                  <a16:creationId xmlns:a16="http://schemas.microsoft.com/office/drawing/2014/main" id="{83585A0D-1358-AE14-AE30-4FAC3B036F26}"/>
+                </a:ext>
+              </a:extLst>
+            </p:cNvPr>
+            <p:cNvGrpSpPr/>
+            <p:nvPr/>
+          </p:nvGrpSpPr>
+          <p:grpSpPr>
+            <a:xfrm>
+              <a:off x="0" y="606425"/>
+              <a:ext cx="12192000" cy="5645150"/>
+              <a:chOff x="0" y="606425"/>
+              <a:chExt cx="12192000" cy="5645150"/>
+            </a:xfrm>
+          </p:grpSpPr>
+          <p:pic>
+            <p:nvPicPr>
+              <p:cNvPr id="13" name="Image 12">
+                <a:extLst>
+                  <a:ext uri="{FF2B5EF4-FFF2-40B4-BE49-F238E27FC236}">
+                    <a16:creationId xmlns:a16="http://schemas.microsoft.com/office/drawing/2014/main" id="{4AEAAC89-BD5E-7CC4-BB0C-CAD7FC3E5754}"/>
+                  </a:ext>
+                </a:extLst>
+              </p:cNvPr>
+              <p:cNvPicPr>
+                <a:picLocks noChangeAspect="1"/>
+              </p:cNvPicPr>
+              <p:nvPr/>
+            </p:nvPicPr>
+            <p:blipFill>
+              <a:blip r:embed="rId2"/>
+              <a:stretch>
+                <a:fillRect/>
+              </a:stretch>
+            </p:blipFill>
+            <p:spPr>
+              <a:xfrm>
+                <a:off x="0" y="606425"/>
+                <a:ext cx="12192000" cy="5645150"/>
+              </a:xfrm>
+              <a:prstGeom prst="rect">
+                <a:avLst/>
+              </a:prstGeom>
+            </p:spPr>
+          </p:pic>
+          <p:sp>
+            <p:nvSpPr>
+              <p:cNvPr id="6" name="Rectangle : coins arrondis 5">
+                <a:extLst>
+                  <a:ext uri="{FF2B5EF4-FFF2-40B4-BE49-F238E27FC236}">
+                    <a16:creationId xmlns:a16="http://schemas.microsoft.com/office/drawing/2014/main" id="{24E4C2B7-B9D5-8013-9EC0-FC8EE6722E7C}"/>
+                  </a:ext>
+                </a:extLst>
+              </p:cNvPr>
+              <p:cNvSpPr/>
+              <p:nvPr/>
+            </p:nvSpPr>
+            <p:spPr>
+              <a:xfrm>
+                <a:off x="0" y="1356562"/>
+                <a:ext cx="1805651" cy="4708957"/>
+              </a:xfrm>
+              <a:prstGeom prst="roundRect">
+                <a:avLst>
+                  <a:gd name="adj" fmla="val 7326"/>
+                </a:avLst>
+              </a:prstGeom>
+              <a:solidFill>
+                <a:srgbClr val="FFFF00">
+                  <a:alpha val="20000"/>
+                </a:srgbClr>
+              </a:solidFill>
+              <a:ln w="38100">
+                <a:solidFill>
+                  <a:schemeClr val="accent2"/>
+                </a:solidFill>
+              </a:ln>
+            </p:spPr>
+            <p:style>
+              <a:lnRef idx="2">
+                <a:schemeClr val="accent1">
+                  <a:shade val="15000"/>
+                </a:schemeClr>
+              </a:lnRef>
+              <a:fillRef idx="1">
+                <a:schemeClr val="accent1"/>
+              </a:fillRef>
+              <a:effectRef idx="0">
+                <a:schemeClr val="accent1"/>
+              </a:effectRef>
+              <a:fontRef idx="minor">
+                <a:schemeClr val="lt1"/>
+              </a:fontRef>
+            </p:style>
+            <p:txBody>
+              <a:bodyPr rtlCol="0" anchor="ctr"/>
+              <a:lstStyle/>
+              <a:p>
+                <a:pPr algn="ctr"/>
+                <a:endParaRPr lang="en-GB"/>
+              </a:p>
+            </p:txBody>
+          </p:sp>
+          <p:sp>
+            <p:nvSpPr>
+              <p:cNvPr id="7" name="Rectangle : coins arrondis 6">
+                <a:extLst>
+                  <a:ext uri="{FF2B5EF4-FFF2-40B4-BE49-F238E27FC236}">
+                    <a16:creationId xmlns:a16="http://schemas.microsoft.com/office/drawing/2014/main" id="{75A9E4E9-B9ED-EF81-3505-71D9D78B797E}"/>
+                  </a:ext>
+                </a:extLst>
+              </p:cNvPr>
+              <p:cNvSpPr/>
+              <p:nvPr/>
+            </p:nvSpPr>
+            <p:spPr>
+              <a:xfrm>
+                <a:off x="1930400" y="1869439"/>
+                <a:ext cx="3647440" cy="325121"/>
+              </a:xfrm>
+              <a:prstGeom prst="roundRect">
+                <a:avLst>
+                  <a:gd name="adj" fmla="val 30459"/>
+                </a:avLst>
+              </a:prstGeom>
+              <a:solidFill>
+                <a:srgbClr val="FFFF00">
+                  <a:alpha val="20000"/>
+                </a:srgbClr>
+              </a:solidFill>
+              <a:ln w="38100">
+                <a:solidFill>
+                  <a:schemeClr val="accent2"/>
+                </a:solidFill>
+              </a:ln>
+            </p:spPr>
+            <p:style>
+              <a:lnRef idx="2">
+                <a:schemeClr val="accent1">
+                  <a:shade val="15000"/>
+                </a:schemeClr>
+              </a:lnRef>
+              <a:fillRef idx="1">
+                <a:schemeClr val="accent1"/>
+              </a:fillRef>
+              <a:effectRef idx="0">
+                <a:schemeClr val="accent1"/>
+              </a:effectRef>
+              <a:fontRef idx="minor">
+                <a:schemeClr val="lt1"/>
+              </a:fontRef>
+            </p:style>
+            <p:txBody>
+              <a:bodyPr rtlCol="0" anchor="ctr"/>
+              <a:lstStyle/>
+              <a:p>
+                <a:pPr algn="ctr"/>
+                <a:endParaRPr lang="en-GB"/>
+              </a:p>
+            </p:txBody>
+          </p:sp>
+          <p:sp>
+            <p:nvSpPr>
+              <p:cNvPr id="8" name="Ellipse 7">
+                <a:extLst>
+                  <a:ext uri="{FF2B5EF4-FFF2-40B4-BE49-F238E27FC236}">
+                    <a16:creationId xmlns:a16="http://schemas.microsoft.com/office/drawing/2014/main" id="{4E786856-A36C-615A-917A-4C1BA298F199}"/>
+                  </a:ext>
+                </a:extLst>
+              </p:cNvPr>
+              <p:cNvSpPr/>
+              <p:nvPr/>
+            </p:nvSpPr>
+            <p:spPr>
+              <a:xfrm>
+                <a:off x="652416" y="809747"/>
+                <a:ext cx="544287" cy="546815"/>
+              </a:xfrm>
+              <a:prstGeom prst="ellipse">
+                <a:avLst/>
+              </a:prstGeom>
+              <a:noFill/>
+              <a:ln w="76200">
+                <a:noFill/>
+              </a:ln>
+            </p:spPr>
+            <p:style>
+              <a:lnRef idx="2">
+                <a:schemeClr val="accent1">
+                  <a:shade val="15000"/>
+                </a:schemeClr>
+              </a:lnRef>
+              <a:fillRef idx="1">
+                <a:schemeClr val="accent1"/>
+              </a:fillRef>
+              <a:effectRef idx="0">
+                <a:schemeClr val="accent1"/>
+              </a:effectRef>
+              <a:fontRef idx="minor">
+                <a:schemeClr val="lt1"/>
+              </a:fontRef>
+            </p:style>
+            <p:txBody>
+              <a:bodyPr rtlCol="0" anchor="ctr"/>
+              <a:lstStyle/>
+              <a:p>
+                <a:pPr algn="ctr"/>
+                <a:r>
+                  <a:rPr lang="fr-FR" sz="3600" b="1" dirty="0">
+                    <a:solidFill>
+                      <a:schemeClr val="accent2"/>
+                    </a:solidFill>
+                  </a:rPr>
+                  <a:t>1</a:t>
+                </a:r>
+                <a:endParaRPr lang="en-GB" sz="3600" b="1" dirty="0">
+                  <a:solidFill>
+                    <a:schemeClr val="accent2"/>
+                  </a:solidFill>
+                </a:endParaRPr>
+              </a:p>
+            </p:txBody>
+          </p:sp>
+          <p:sp>
+            <p:nvSpPr>
+              <p:cNvPr id="9" name="Rectangle : coins arrondis 8">
+                <a:extLst>
+                  <a:ext uri="{FF2B5EF4-FFF2-40B4-BE49-F238E27FC236}">
+                    <a16:creationId xmlns:a16="http://schemas.microsoft.com/office/drawing/2014/main" id="{F520710B-A542-F8F8-D0DD-0F97E58AB04C}"/>
+                  </a:ext>
+                </a:extLst>
+              </p:cNvPr>
+              <p:cNvSpPr/>
+              <p:nvPr/>
+            </p:nvSpPr>
+            <p:spPr>
+              <a:xfrm>
+                <a:off x="7058181" y="1869439"/>
+                <a:ext cx="1059659" cy="294641"/>
+              </a:xfrm>
+              <a:prstGeom prst="roundRect">
+                <a:avLst>
+                  <a:gd name="adj" fmla="val 30459"/>
+                </a:avLst>
+              </a:prstGeom>
+              <a:solidFill>
+                <a:srgbClr val="FFFF00">
+                  <a:alpha val="20000"/>
+                </a:srgbClr>
+              </a:solidFill>
+              <a:ln w="38100">
+                <a:solidFill>
+                  <a:schemeClr val="accent2"/>
+                </a:solidFill>
+              </a:ln>
+            </p:spPr>
+            <p:style>
+              <a:lnRef idx="2">
+                <a:schemeClr val="accent1">
+                  <a:shade val="15000"/>
+                </a:schemeClr>
+              </a:lnRef>
+              <a:fillRef idx="1">
+                <a:schemeClr val="accent1"/>
+              </a:fillRef>
+              <a:effectRef idx="0">
+                <a:schemeClr val="accent1"/>
+              </a:effectRef>
+              <a:fontRef idx="minor">
+                <a:schemeClr val="lt1"/>
+              </a:fontRef>
+            </p:style>
+            <p:txBody>
+              <a:bodyPr rtlCol="0" anchor="ctr"/>
+              <a:lstStyle/>
+              <a:p>
+                <a:pPr algn="ctr"/>
+                <a:endParaRPr lang="en-GB"/>
+              </a:p>
+            </p:txBody>
+          </p:sp>
+          <p:sp>
+            <p:nvSpPr>
+              <p:cNvPr id="10" name="Ellipse 9">
+                <a:extLst>
+                  <a:ext uri="{FF2B5EF4-FFF2-40B4-BE49-F238E27FC236}">
+                    <a16:creationId xmlns:a16="http://schemas.microsoft.com/office/drawing/2014/main" id="{B6276039-861E-6BA5-1ABA-DAF6CC11C8EB}"/>
+                  </a:ext>
+                </a:extLst>
+              </p:cNvPr>
+              <p:cNvSpPr/>
+              <p:nvPr/>
+            </p:nvSpPr>
+            <p:spPr>
+              <a:xfrm>
+                <a:off x="5551713" y="1743351"/>
+                <a:ext cx="544287" cy="546815"/>
+              </a:xfrm>
+              <a:prstGeom prst="ellipse">
+                <a:avLst/>
+              </a:prstGeom>
+              <a:noFill/>
+              <a:ln w="76200">
+                <a:noFill/>
+              </a:ln>
+            </p:spPr>
+            <p:style>
+              <a:lnRef idx="2">
+                <a:schemeClr val="accent1">
+                  <a:shade val="15000"/>
+                </a:schemeClr>
+              </a:lnRef>
+              <a:fillRef idx="1">
+                <a:schemeClr val="accent1"/>
+              </a:fillRef>
+              <a:effectRef idx="0">
+                <a:schemeClr val="accent1"/>
+              </a:effectRef>
+              <a:fontRef idx="minor">
+                <a:schemeClr val="lt1"/>
+              </a:fontRef>
+            </p:style>
+            <p:txBody>
+              <a:bodyPr rtlCol="0" anchor="ctr"/>
+              <a:lstStyle/>
+              <a:p>
+                <a:pPr algn="ctr"/>
+                <a:r>
+                  <a:rPr lang="fr-FR" sz="3600" b="1" dirty="0">
+                    <a:solidFill>
+                      <a:schemeClr val="accent2"/>
+                    </a:solidFill>
+                  </a:rPr>
+                  <a:t>2</a:t>
+                </a:r>
+                <a:endParaRPr lang="en-GB" sz="3600" b="1" dirty="0">
+                  <a:solidFill>
+                    <a:schemeClr val="accent2"/>
+                  </a:solidFill>
+                </a:endParaRPr>
+              </a:p>
+            </p:txBody>
+          </p:sp>
+          <p:sp>
+            <p:nvSpPr>
+              <p:cNvPr id="11" name="Ellipse 10">
+                <a:extLst>
+                  <a:ext uri="{FF2B5EF4-FFF2-40B4-BE49-F238E27FC236}">
+                    <a16:creationId xmlns:a16="http://schemas.microsoft.com/office/drawing/2014/main" id="{50E9BB6F-8F7F-6C71-0743-CD724BBD786F}"/>
+                  </a:ext>
+                </a:extLst>
+              </p:cNvPr>
+              <p:cNvSpPr/>
+              <p:nvPr/>
+            </p:nvSpPr>
+            <p:spPr>
+              <a:xfrm>
+                <a:off x="2268320" y="2658511"/>
+                <a:ext cx="544287" cy="546815"/>
+              </a:xfrm>
+              <a:prstGeom prst="ellipse">
+                <a:avLst/>
+              </a:prstGeom>
+              <a:noFill/>
+              <a:ln w="76200">
+                <a:noFill/>
+              </a:ln>
+            </p:spPr>
+            <p:style>
+              <a:lnRef idx="2">
+                <a:schemeClr val="accent1">
+                  <a:shade val="15000"/>
+                </a:schemeClr>
+              </a:lnRef>
+              <a:fillRef idx="1">
+                <a:schemeClr val="accent1"/>
+              </a:fillRef>
+              <a:effectRef idx="0">
+                <a:schemeClr val="accent1"/>
+              </a:effectRef>
+              <a:fontRef idx="minor">
+                <a:schemeClr val="lt1"/>
+              </a:fontRef>
+            </p:style>
+            <p:txBody>
+              <a:bodyPr rtlCol="0" anchor="ctr"/>
+              <a:lstStyle/>
+              <a:p>
+                <a:pPr algn="ctr"/>
+                <a:r>
+                  <a:rPr lang="fr-FR" sz="3600" b="1" dirty="0">
+                    <a:solidFill>
+                      <a:schemeClr val="accent2"/>
+                    </a:solidFill>
+                  </a:rPr>
+                  <a:t>3</a:t>
+                </a:r>
+                <a:endParaRPr lang="en-GB" sz="3600" b="1" dirty="0">
+                  <a:solidFill>
+                    <a:schemeClr val="accent2"/>
+                  </a:solidFill>
+                </a:endParaRPr>
+              </a:p>
+            </p:txBody>
+          </p:sp>
+          <p:sp>
+            <p:nvSpPr>
+              <p:cNvPr id="14" name="Rectangle : coins arrondis 13">
+                <a:extLst>
+                  <a:ext uri="{FF2B5EF4-FFF2-40B4-BE49-F238E27FC236}">
+                    <a16:creationId xmlns:a16="http://schemas.microsoft.com/office/drawing/2014/main" id="{707FF21E-48A2-D0AA-DA08-2F827A018EF2}"/>
+                  </a:ext>
+                </a:extLst>
+              </p:cNvPr>
+              <p:cNvSpPr/>
+              <p:nvPr/>
+            </p:nvSpPr>
+            <p:spPr>
+              <a:xfrm>
+                <a:off x="11267440" y="3616961"/>
+                <a:ext cx="924560" cy="396240"/>
+              </a:xfrm>
+              <a:prstGeom prst="roundRect">
+                <a:avLst>
+                  <a:gd name="adj" fmla="val 30459"/>
+                </a:avLst>
+              </a:prstGeom>
+              <a:solidFill>
+                <a:srgbClr val="FFFF00">
+                  <a:alpha val="20000"/>
+                </a:srgbClr>
+              </a:solidFill>
+              <a:ln w="38100">
+                <a:solidFill>
+                  <a:schemeClr val="accent2"/>
+                </a:solidFill>
+              </a:ln>
+            </p:spPr>
+            <p:style>
+              <a:lnRef idx="2">
+                <a:schemeClr val="accent1">
+                  <a:shade val="15000"/>
+                </a:schemeClr>
+              </a:lnRef>
+              <a:fillRef idx="1">
+                <a:schemeClr val="accent1"/>
+              </a:fillRef>
+              <a:effectRef idx="0">
+                <a:schemeClr val="accent1"/>
+              </a:effectRef>
+              <a:fontRef idx="minor">
+                <a:schemeClr val="lt1"/>
+              </a:fontRef>
+            </p:style>
+            <p:txBody>
+              <a:bodyPr rtlCol="0" anchor="ctr"/>
+              <a:lstStyle/>
+              <a:p>
+                <a:pPr algn="ctr"/>
+                <a:endParaRPr lang="en-GB"/>
+              </a:p>
+            </p:txBody>
+          </p:sp>
+        </p:grpSp>
+        <p:sp>
+          <p:nvSpPr>
+            <p:cNvPr id="16" name="Rectangle : coins arrondis 15">
+              <a:extLst>
+                <a:ext uri="{FF2B5EF4-FFF2-40B4-BE49-F238E27FC236}">
+                  <a16:creationId xmlns:a16="http://schemas.microsoft.com/office/drawing/2014/main" id="{569B0CFF-D4A1-7EE3-9F1F-25CA17A29748}"/>
+                </a:ext>
+              </a:extLst>
+            </p:cNvPr>
+            <p:cNvSpPr/>
+            <p:nvPr/>
+          </p:nvSpPr>
+          <p:spPr>
+            <a:xfrm>
+              <a:off x="1904273" y="2727100"/>
+              <a:ext cx="375940" cy="409639"/>
+            </a:xfrm>
+            <a:prstGeom prst="roundRect">
+              <a:avLst>
+                <a:gd name="adj" fmla="val 30459"/>
+              </a:avLst>
+            </a:prstGeom>
+            <a:solidFill>
+              <a:srgbClr val="FFFF00">
+                <a:alpha val="20000"/>
+              </a:srgbClr>
+            </a:solidFill>
+            <a:ln w="38100">
+              <a:solidFill>
+                <a:schemeClr val="accent2"/>
+              </a:solidFill>
+            </a:ln>
+          </p:spPr>
+          <p:style>
+            <a:lnRef idx="2">
+              <a:schemeClr val="accent1">
+                <a:shade val="15000"/>
+              </a:schemeClr>
+            </a:lnRef>
+            <a:fillRef idx="1">
+              <a:schemeClr val="accent1"/>
+            </a:fillRef>
+            <a:effectRef idx="0">
+              <a:schemeClr val="accent1"/>
+            </a:effectRef>
+            <a:fontRef idx="minor">
+              <a:schemeClr val="lt1"/>
+            </a:fontRef>
+          </p:style>
+          <p:txBody>
+            <a:bodyPr rtlCol="0" anchor="ctr"/>
+            <a:lstStyle/>
+            <a:p>
+              <a:pPr algn="ctr"/>
+              <a:endParaRPr lang="en-GB"/>
+            </a:p>
+          </p:txBody>
+        </p:sp>
+        <p:sp>
+          <p:nvSpPr>
+            <p:cNvPr id="17" name="Ellipse 16">
+              <a:extLst>
+                <a:ext uri="{FF2B5EF4-FFF2-40B4-BE49-F238E27FC236}">
+                  <a16:creationId xmlns:a16="http://schemas.microsoft.com/office/drawing/2014/main" id="{D2D727DF-92D4-44C9-0FC1-15F5607DC085}"/>
+                </a:ext>
+              </a:extLst>
+            </p:cNvPr>
+            <p:cNvSpPr/>
+            <p:nvPr/>
+          </p:nvSpPr>
+          <p:spPr>
+            <a:xfrm>
+              <a:off x="8117840" y="1743350"/>
+              <a:ext cx="544287" cy="546815"/>
+            </a:xfrm>
+            <a:prstGeom prst="ellipse">
+              <a:avLst/>
+            </a:prstGeom>
+            <a:noFill/>
+            <a:ln w="76200">
+              <a:noFill/>
+            </a:ln>
+          </p:spPr>
+          <p:style>
+            <a:lnRef idx="2">
+              <a:schemeClr val="accent1">
+                <a:shade val="15000"/>
+              </a:schemeClr>
+            </a:lnRef>
+            <a:fillRef idx="1">
+              <a:schemeClr val="accent1"/>
+            </a:fillRef>
+            <a:effectRef idx="0">
+              <a:schemeClr val="accent1"/>
+            </a:effectRef>
+            <a:fontRef idx="minor">
+              <a:schemeClr val="lt1"/>
+            </a:fontRef>
+          </p:style>
+          <p:txBody>
+            <a:bodyPr rtlCol="0" anchor="ctr"/>
+            <a:lstStyle/>
+            <a:p>
+              <a:pPr algn="ctr"/>
+              <a:r>
+                <a:rPr lang="fr-FR" sz="3600" b="1" dirty="0">
+                  <a:solidFill>
+                    <a:schemeClr val="accent2"/>
+                  </a:solidFill>
+                </a:rPr>
+                <a:t>4</a:t>
+              </a:r>
+              <a:endParaRPr lang="en-GB" sz="3600" b="1" dirty="0">
+                <a:solidFill>
+                  <a:schemeClr val="accent2"/>
+                </a:solidFill>
+              </a:endParaRPr>
+            </a:p>
+          </p:txBody>
+        </p:sp>
+        <p:sp>
+          <p:nvSpPr>
+            <p:cNvPr id="18" name="Ellipse 17">
+              <a:extLst>
+                <a:ext uri="{FF2B5EF4-FFF2-40B4-BE49-F238E27FC236}">
+                  <a16:creationId xmlns:a16="http://schemas.microsoft.com/office/drawing/2014/main" id="{1DC7B00E-84EE-6AFE-D659-327E08F9D624}"/>
+                </a:ext>
+              </a:extLst>
+            </p:cNvPr>
+            <p:cNvSpPr/>
+            <p:nvPr/>
+          </p:nvSpPr>
+          <p:spPr>
+            <a:xfrm>
+              <a:off x="10723153" y="3541673"/>
+              <a:ext cx="544287" cy="546815"/>
+            </a:xfrm>
+            <a:prstGeom prst="ellipse">
+              <a:avLst/>
+            </a:prstGeom>
+            <a:noFill/>
+            <a:ln w="76200">
+              <a:noFill/>
+            </a:ln>
+          </p:spPr>
+          <p:style>
+            <a:lnRef idx="2">
+              <a:schemeClr val="accent1">
+                <a:shade val="15000"/>
+              </a:schemeClr>
+            </a:lnRef>
+            <a:fillRef idx="1">
+              <a:schemeClr val="accent1"/>
+            </a:fillRef>
+            <a:effectRef idx="0">
+              <a:schemeClr val="accent1"/>
+            </a:effectRef>
+            <a:fontRef idx="minor">
+              <a:schemeClr val="lt1"/>
+            </a:fontRef>
+          </p:style>
+          <p:txBody>
+            <a:bodyPr rtlCol="0" anchor="ctr"/>
+            <a:lstStyle/>
+            <a:p>
+              <a:pPr algn="ctr"/>
+              <a:r>
+                <a:rPr lang="fr-FR" sz="3600" b="1" dirty="0">
+                  <a:solidFill>
+                    <a:schemeClr val="accent2"/>
+                  </a:solidFill>
+                </a:rPr>
+                <a:t>5</a:t>
+              </a:r>
+              <a:endParaRPr lang="en-GB" sz="3600" b="1" dirty="0">
+                <a:solidFill>
+                  <a:schemeClr val="accent2"/>
+                </a:solidFill>
+              </a:endParaRPr>
+            </a:p>
+          </p:txBody>
+        </p:sp>
+      </p:grpSp>
+    </p:spTree>
+    <p:extLst>
+      <p:ext uri="{BB962C8B-B14F-4D97-AF65-F5344CB8AC3E}">
+        <p14:creationId xmlns:p14="http://schemas.microsoft.com/office/powerpoint/2010/main" val="2124554907"/>
+      </p:ext>
+    </p:extLst>
+  </p:cSld>
+  <p:clrMapOvr>
+    <a:masterClrMapping/>
+  </p:clrMapOvr>
+</p:sld>
+</file>
+
 <file path=ppt/theme/theme1.xml><?xml version="1.0" encoding="utf-8"?>
 <a:theme xmlns:a="http://schemas.openxmlformats.org/drawingml/2006/main" name="Thème Office">
   <a:themeElements>
